--- a/資料庫專題/Health Keeper.pptx
+++ b/資料庫專題/Health Keeper.pptx
@@ -109,6 +109,11 @@
       </a:defRPr>
     </a:lvl9pPr>
   </p:defaultTextStyle>
+  <p:extLst>
+    <p:ext uri="{EFAFB233-063F-42B5-8137-9DF3F51BA10A}">
+      <p15:sldGuideLst xmlns:p15="http://schemas.microsoft.com/office/powerpoint/2012/main"/>
+    </p:ext>
+  </p:extLst>
 </p:presentation>
 </file>
 
@@ -259,7 +264,7 @@
           <a:p>
             <a:fld id="{7DC9FFA7-BE71-4D3A-AAEB-C36125B1B50F}" type="datetimeFigureOut">
               <a:rPr lang="zh-TW" altLang="en-US" smtClean="0"/>
-              <a:t>2019/9/22</a:t>
+              <a:t>2019/9/24</a:t>
             </a:fld>
             <a:endParaRPr lang="zh-TW" altLang="en-US"/>
           </a:p>
@@ -457,7 +462,7 @@
           <a:p>
             <a:fld id="{7DC9FFA7-BE71-4D3A-AAEB-C36125B1B50F}" type="datetimeFigureOut">
               <a:rPr lang="zh-TW" altLang="en-US" smtClean="0"/>
-              <a:t>2019/9/22</a:t>
+              <a:t>2019/9/24</a:t>
             </a:fld>
             <a:endParaRPr lang="zh-TW" altLang="en-US"/>
           </a:p>
@@ -665,7 +670,7 @@
           <a:p>
             <a:fld id="{7DC9FFA7-BE71-4D3A-AAEB-C36125B1B50F}" type="datetimeFigureOut">
               <a:rPr lang="zh-TW" altLang="en-US" smtClean="0"/>
-              <a:t>2019/9/22</a:t>
+              <a:t>2019/9/24</a:t>
             </a:fld>
             <a:endParaRPr lang="zh-TW" altLang="en-US"/>
           </a:p>
@@ -863,7 +868,7 @@
           <a:p>
             <a:fld id="{7DC9FFA7-BE71-4D3A-AAEB-C36125B1B50F}" type="datetimeFigureOut">
               <a:rPr lang="zh-TW" altLang="en-US" smtClean="0"/>
-              <a:t>2019/9/22</a:t>
+              <a:t>2019/9/24</a:t>
             </a:fld>
             <a:endParaRPr lang="zh-TW" altLang="en-US"/>
           </a:p>
@@ -1138,7 +1143,7 @@
           <a:p>
             <a:fld id="{7DC9FFA7-BE71-4D3A-AAEB-C36125B1B50F}" type="datetimeFigureOut">
               <a:rPr lang="zh-TW" altLang="en-US" smtClean="0"/>
-              <a:t>2019/9/22</a:t>
+              <a:t>2019/9/24</a:t>
             </a:fld>
             <a:endParaRPr lang="zh-TW" altLang="en-US"/>
           </a:p>
@@ -1403,7 +1408,7 @@
           <a:p>
             <a:fld id="{7DC9FFA7-BE71-4D3A-AAEB-C36125B1B50F}" type="datetimeFigureOut">
               <a:rPr lang="zh-TW" altLang="en-US" smtClean="0"/>
-              <a:t>2019/9/22</a:t>
+              <a:t>2019/9/24</a:t>
             </a:fld>
             <a:endParaRPr lang="zh-TW" altLang="en-US"/>
           </a:p>
@@ -1815,7 +1820,7 @@
           <a:p>
             <a:fld id="{7DC9FFA7-BE71-4D3A-AAEB-C36125B1B50F}" type="datetimeFigureOut">
               <a:rPr lang="zh-TW" altLang="en-US" smtClean="0"/>
-              <a:t>2019/9/22</a:t>
+              <a:t>2019/9/24</a:t>
             </a:fld>
             <a:endParaRPr lang="zh-TW" altLang="en-US"/>
           </a:p>
@@ -1956,7 +1961,7 @@
           <a:p>
             <a:fld id="{7DC9FFA7-BE71-4D3A-AAEB-C36125B1B50F}" type="datetimeFigureOut">
               <a:rPr lang="zh-TW" altLang="en-US" smtClean="0"/>
-              <a:t>2019/9/22</a:t>
+              <a:t>2019/9/24</a:t>
             </a:fld>
             <a:endParaRPr lang="zh-TW" altLang="en-US"/>
           </a:p>
@@ -2069,7 +2074,7 @@
           <a:p>
             <a:fld id="{7DC9FFA7-BE71-4D3A-AAEB-C36125B1B50F}" type="datetimeFigureOut">
               <a:rPr lang="zh-TW" altLang="en-US" smtClean="0"/>
-              <a:t>2019/9/22</a:t>
+              <a:t>2019/9/24</a:t>
             </a:fld>
             <a:endParaRPr lang="zh-TW" altLang="en-US"/>
           </a:p>
@@ -2380,7 +2385,7 @@
           <a:p>
             <a:fld id="{7DC9FFA7-BE71-4D3A-AAEB-C36125B1B50F}" type="datetimeFigureOut">
               <a:rPr lang="zh-TW" altLang="en-US" smtClean="0"/>
-              <a:t>2019/9/22</a:t>
+              <a:t>2019/9/24</a:t>
             </a:fld>
             <a:endParaRPr lang="zh-TW" altLang="en-US"/>
           </a:p>
@@ -2668,7 +2673,7 @@
           <a:p>
             <a:fld id="{7DC9FFA7-BE71-4D3A-AAEB-C36125B1B50F}" type="datetimeFigureOut">
               <a:rPr lang="zh-TW" altLang="en-US" smtClean="0"/>
-              <a:t>2019/9/22</a:t>
+              <a:t>2019/9/24</a:t>
             </a:fld>
             <a:endParaRPr lang="zh-TW" altLang="en-US"/>
           </a:p>
@@ -2918,7 +2923,7 @@
           <a:p>
             <a:fld id="{7DC9FFA7-BE71-4D3A-AAEB-C36125B1B50F}" type="datetimeFigureOut">
               <a:rPr lang="zh-TW" altLang="en-US" smtClean="0"/>
-              <a:t>2019/9/22</a:t>
+              <a:t>2019/9/24</a:t>
             </a:fld>
             <a:endParaRPr lang="zh-TW" altLang="en-US"/>
           </a:p>
@@ -4345,7 +4350,7 @@
           <a:lstStyle/>
           <a:p>
             <a:r>
-              <a:rPr lang="en-US" altLang="zh-TW" sz="6600" dirty="0">
+              <a:rPr lang="en-US" altLang="zh-TW" sz="6600" b="1" dirty="0">
                 <a:solidFill>
                   <a:srgbClr val="FF0000"/>
                 </a:solidFill>
@@ -4355,7 +4360,7 @@
               <a:t>APP</a:t>
             </a:r>
             <a:r>
-              <a:rPr lang="zh-TW" altLang="en-US" sz="6600" dirty="0">
+              <a:rPr lang="zh-TW" altLang="en-US" sz="6600" b="1" dirty="0">
                 <a:solidFill>
                   <a:srgbClr val="FF0000"/>
                 </a:solidFill>
@@ -4365,7 +4370,7 @@
               <a:t>的目的</a:t>
             </a:r>
             <a:r>
-              <a:rPr lang="en-US" altLang="zh-TW" sz="6600" dirty="0">
+              <a:rPr lang="en-US" altLang="zh-TW" sz="6600" b="1" dirty="0">
                 <a:solidFill>
                   <a:srgbClr val="FF0000"/>
                 </a:solidFill>
@@ -4374,7 +4379,7 @@
               </a:rPr>
               <a:t>:</a:t>
             </a:r>
-            <a:endParaRPr lang="zh-TW" altLang="en-US" sz="6600" dirty="0">
+            <a:endParaRPr lang="zh-TW" altLang="en-US" sz="6600" b="1" dirty="0">
               <a:solidFill>
                 <a:srgbClr val="FF0000"/>
               </a:solidFill>
@@ -4819,7 +4824,7 @@
           <a:lstStyle/>
           <a:p>
             <a:r>
-              <a:rPr lang="zh-TW" altLang="en-US" sz="6600" dirty="0">
+              <a:rPr lang="zh-TW" altLang="en-US" sz="6600" b="1" dirty="0">
                 <a:solidFill>
                   <a:srgbClr val="FF0000"/>
                 </a:solidFill>
@@ -4829,7 +4834,7 @@
               <a:t>短期目標</a:t>
             </a:r>
             <a:r>
-              <a:rPr lang="en-US" altLang="zh-TW" sz="6600" dirty="0">
+              <a:rPr lang="en-US" altLang="zh-TW" sz="6600" b="1" dirty="0">
                 <a:solidFill>
                   <a:srgbClr val="FF0000"/>
                 </a:solidFill>
@@ -4838,7 +4843,7 @@
               </a:rPr>
               <a:t>:</a:t>
             </a:r>
-            <a:endParaRPr lang="zh-TW" altLang="en-US" sz="6600" dirty="0">
+            <a:endParaRPr lang="zh-TW" altLang="en-US" sz="6600" b="1" dirty="0">
               <a:solidFill>
                 <a:srgbClr val="FF0000"/>
               </a:solidFill>
@@ -5405,18 +5410,38 @@
         </p:nvSpPr>
         <p:spPr/>
         <p:txBody>
-          <a:bodyPr/>
+          <a:bodyPr>
+            <a:normAutofit/>
+          </a:bodyPr>
           <a:lstStyle/>
           <a:p>
             <a:r>
-              <a:rPr lang="zh-TW" altLang="en-US" dirty="0"/>
+              <a:rPr lang="zh-TW" altLang="en-US" sz="6600" b="1" dirty="0">
+                <a:solidFill>
+                  <a:srgbClr val="FF0000"/>
+                </a:solidFill>
+                <a:latin typeface="標楷體" panose="03000509000000000000" pitchFamily="65" charset="-120"/>
+                <a:ea typeface="標楷體" panose="03000509000000000000" pitchFamily="65" charset="-120"/>
+              </a:rPr>
               <a:t>中期目標</a:t>
             </a:r>
             <a:r>
-              <a:rPr lang="en-US" altLang="zh-TW" dirty="0"/>
+              <a:rPr lang="en-US" altLang="zh-TW" sz="6600" b="1" dirty="0">
+                <a:solidFill>
+                  <a:srgbClr val="FF0000"/>
+                </a:solidFill>
+                <a:latin typeface="標楷體" panose="03000509000000000000" pitchFamily="65" charset="-120"/>
+                <a:ea typeface="標楷體" panose="03000509000000000000" pitchFamily="65" charset="-120"/>
+              </a:rPr>
               <a:t>:</a:t>
             </a:r>
-            <a:endParaRPr lang="zh-TW" altLang="en-US" dirty="0"/>
+            <a:endParaRPr lang="zh-TW" altLang="en-US" sz="6600" b="1" dirty="0">
+              <a:solidFill>
+                <a:srgbClr val="FF0000"/>
+              </a:solidFill>
+              <a:latin typeface="標楷體" panose="03000509000000000000" pitchFamily="65" charset="-120"/>
+              <a:ea typeface="標楷體" panose="03000509000000000000" pitchFamily="65" charset="-120"/>
+            </a:endParaRPr>
           </a:p>
         </p:txBody>
       </p:sp>
@@ -5438,7 +5463,7 @@
         </p:nvSpPr>
         <p:spPr>
           <a:xfrm>
-            <a:off x="-160867" y="2071158"/>
+            <a:off x="911188" y="1793164"/>
             <a:ext cx="10515600" cy="4351338"/>
           </a:xfrm>
         </p:spPr>
@@ -5446,7 +5471,7 @@
           <a:bodyPr/>
           <a:lstStyle/>
           <a:p>
-            <a:pPr marL="0" indent="0" algn="ctr">
+            <a:pPr marL="0" indent="0">
               <a:buNone/>
             </a:pPr>
             <a:r>
@@ -5456,13 +5481,13 @@
             <a:endParaRPr lang="en-US" altLang="zh-TW" dirty="0"/>
           </a:p>
           <a:p>
-            <a:pPr marL="0" indent="0" algn="ctr">
+            <a:pPr marL="0" indent="0">
               <a:buNone/>
             </a:pPr>
             <a:endParaRPr lang="en-US" altLang="zh-TW" dirty="0"/>
           </a:p>
           <a:p>
-            <a:pPr marL="0" indent="0" algn="ctr">
+            <a:pPr marL="0" indent="0">
               <a:buNone/>
             </a:pPr>
             <a:r>
@@ -5472,13 +5497,13 @@
             <a:endParaRPr lang="en-US" altLang="zh-TW" dirty="0"/>
           </a:p>
           <a:p>
-            <a:pPr marL="0" indent="0" algn="ctr">
+            <a:pPr marL="0" indent="0">
               <a:buNone/>
             </a:pPr>
             <a:endParaRPr lang="en-US" altLang="zh-TW" dirty="0"/>
           </a:p>
           <a:p>
-            <a:pPr marL="0" indent="0" algn="ctr">
+            <a:pPr marL="0" indent="0">
               <a:buNone/>
             </a:pPr>
             <a:r>
@@ -5940,7 +5965,7 @@
           <a:lstStyle/>
           <a:p>
             <a:r>
-              <a:rPr lang="zh-TW" altLang="en-US" sz="6600" dirty="0">
+              <a:rPr lang="zh-TW" altLang="en-US" sz="6600" b="1" dirty="0">
                 <a:solidFill>
                   <a:srgbClr val="FF0000"/>
                 </a:solidFill>
@@ -5950,7 +5975,7 @@
               <a:t>長期目標</a:t>
             </a:r>
             <a:r>
-              <a:rPr lang="en-US" altLang="zh-TW" sz="6600" dirty="0">
+              <a:rPr lang="en-US" altLang="zh-TW" sz="6600" b="1" dirty="0">
                 <a:solidFill>
                   <a:srgbClr val="FF0000"/>
                 </a:solidFill>
@@ -5959,7 +5984,7 @@
               </a:rPr>
               <a:t>:</a:t>
             </a:r>
-            <a:endParaRPr lang="zh-TW" altLang="en-US" sz="6600" dirty="0">
+            <a:endParaRPr lang="zh-TW" altLang="en-US" sz="6600" b="1" dirty="0">
               <a:solidFill>
                 <a:srgbClr val="FF0000"/>
               </a:solidFill>
@@ -5995,7 +6020,7 @@
           <a:bodyPr/>
           <a:lstStyle/>
           <a:p>
-            <a:pPr marL="0" indent="0" algn="ctr">
+            <a:pPr marL="0" indent="0">
               <a:buNone/>
             </a:pPr>
             <a:r>
@@ -6008,13 +6033,13 @@
             </a:r>
           </a:p>
           <a:p>
-            <a:pPr marL="0" indent="0" algn="ctr">
+            <a:pPr marL="0" indent="0">
               <a:buNone/>
             </a:pPr>
             <a:endParaRPr lang="en-US" altLang="zh-TW" dirty="0"/>
           </a:p>
           <a:p>
-            <a:pPr marL="0" indent="0" algn="ctr">
+            <a:pPr marL="0" indent="0">
               <a:buNone/>
             </a:pPr>
             <a:r>
@@ -6024,13 +6049,13 @@
             <a:endParaRPr lang="en-US" altLang="zh-TW" dirty="0"/>
           </a:p>
           <a:p>
-            <a:pPr marL="0" indent="0" algn="ctr">
+            <a:pPr marL="0" indent="0">
               <a:buNone/>
             </a:pPr>
             <a:endParaRPr lang="en-US" altLang="zh-TW" dirty="0"/>
           </a:p>
           <a:p>
-            <a:pPr marL="0" indent="0" algn="ctr">
+            <a:pPr marL="0" indent="0">
               <a:buNone/>
             </a:pPr>
             <a:r>
